--- a/data_src/docs/UCS_Poster.pptx
+++ b/data_src/docs/UCS_Poster.pptx
@@ -117,6 +117,11 @@
       </a:defRPr>
     </a:lvl9pPr>
   </p:defaultTextStyle>
+  <p:extLst>
+    <p:ext uri="{EFAFB233-063F-42B5-8137-9DF3F51BA10A}">
+      <p15:sldGuideLst xmlns:p15="http://schemas.microsoft.com/office/powerpoint/2012/main"/>
+    </p:ext>
+  </p:extLst>
 </p:presentation>
 </file>
 
@@ -9347,7 +9352,7 @@
         <p:spPr>
           <a:xfrm>
             <a:off x="11277720" y="5275440"/>
-            <a:ext cx="9771840" cy="3518640"/>
+            <a:ext cx="9771840" cy="736568"/>
           </a:xfrm>
           <a:prstGeom prst="rect">
             <a:avLst/>
@@ -9381,7 +9386,7 @@
               </a:lnSpc>
             </a:pPr>
             <a:r>
-              <a:rPr lang="en-US" sz="4400" b="1" u="none" strike="noStrike">
+              <a:rPr lang="en-US" sz="4400" b="1" u="none" strike="noStrike" dirty="0">
                 <a:solidFill>
                   <a:srgbClr val="004B98"/>
                 </a:solidFill>
@@ -9389,73 +9394,9 @@
                 <a:latin typeface="Verdana"/>
                 <a:ea typeface="Verdana"/>
               </a:rPr>
-              <a:t>TECHNICAL DESIGN &amp; DATA MODEL </a:t>
+              <a:t>DATA MODEL </a:t>
             </a:r>
-            <a:endParaRPr lang="en-US" sz="4400" b="0" u="none" strike="noStrike">
-              <a:solidFill>
-                <a:srgbClr val="000000"/>
-              </a:solidFill>
-              <a:uFillTx/>
-              <a:latin typeface="Arial"/>
-            </a:endParaRPr>
-          </a:p>
-          <a:p>
-            <a:pPr defTabSz="1939680">
-              <a:lnSpc>
-                <a:spcPts val="5400"/>
-              </a:lnSpc>
-            </a:pPr>
-            <a:r>
-              <a:rPr lang="en-US" sz="2400" b="0" u="none" strike="noStrike">
-                <a:solidFill>
-                  <a:schemeClr val="dk1"/>
-                </a:solidFill>
-                <a:uFillTx/>
-                <a:latin typeface="Verdana"/>
-                <a:ea typeface="Verdana"/>
-              </a:rPr>
-              <a:t>Use images! Show some analysis</a:t>
-            </a:r>
-            <a:endParaRPr lang="en-US" sz="2400" b="0" u="none" strike="noStrike">
-              <a:solidFill>
-                <a:srgbClr val="000000"/>
-              </a:solidFill>
-              <a:uFillTx/>
-              <a:latin typeface="Arial"/>
-            </a:endParaRPr>
-          </a:p>
-          <a:p>
-            <a:pPr defTabSz="1939680">
-              <a:lnSpc>
-                <a:spcPts val="5400"/>
-              </a:lnSpc>
-            </a:pPr>
-            <a:r>
-              <a:rPr lang="en-US" sz="2400" b="0" u="none" strike="noStrike">
-                <a:solidFill>
-                  <a:schemeClr val="dk1"/>
-                </a:solidFill>
-                <a:uFillTx/>
-                <a:latin typeface="Verdana"/>
-                <a:ea typeface="Verdana"/>
-              </a:rPr>
-              <a:t>Showcase your data model</a:t>
-            </a:r>
-            <a:endParaRPr lang="en-US" sz="2400" b="0" u="none" strike="noStrike">
-              <a:solidFill>
-                <a:srgbClr val="000000"/>
-              </a:solidFill>
-              <a:uFillTx/>
-              <a:latin typeface="Arial"/>
-            </a:endParaRPr>
-          </a:p>
-          <a:p>
-            <a:pPr defTabSz="1939680">
-              <a:lnSpc>
-                <a:spcPts val="5400"/>
-              </a:lnSpc>
-            </a:pPr>
-            <a:endParaRPr lang="en-US" sz="2400" b="0" u="none" strike="noStrike">
+            <a:endParaRPr lang="en-US" sz="4400" b="0" u="none" strike="noStrike" dirty="0">
               <a:solidFill>
                 <a:srgbClr val="000000"/>
               </a:solidFill>
@@ -10240,29 +10181,6 @@
           </a:ln>
         </p:spPr>
       </p:pic>
-      <p:pic>
-        <p:nvPicPr>
-          <p:cNvPr id="70" name="Picture 16"/>
-          <p:cNvPicPr/>
-          <p:nvPr/>
-        </p:nvPicPr>
-        <p:blipFill>
-          <a:blip r:embed="rId5"/>
-          <a:stretch/>
-        </p:blipFill>
-        <p:spPr>
-          <a:xfrm>
-            <a:off x="15831000" y="10073880"/>
-            <a:ext cx="5237280" cy="3555360"/>
-          </a:xfrm>
-          <a:prstGeom prst="rect">
-            <a:avLst/>
-          </a:prstGeom>
-          <a:ln w="0">
-            <a:noFill/>
-          </a:ln>
-        </p:spPr>
-      </p:pic>
       <p:grpSp>
         <p:nvGrpSpPr>
           <p:cNvPr id="71" name="Group 9"/>
@@ -10271,9 +10189,9 @@
         </p:nvGrpSpPr>
         <p:grpSpPr>
           <a:xfrm>
-            <a:off x="14045400" y="17962920"/>
-            <a:ext cx="7374960" cy="3593520"/>
-            <a:chOff x="14045400" y="17962920"/>
+            <a:off x="16307227" y="18122297"/>
+            <a:ext cx="4988054" cy="3593520"/>
+            <a:chOff x="14045570" y="17982054"/>
             <a:chExt cx="7374960" cy="3593520"/>
           </a:xfrm>
         </p:grpSpPr>
@@ -10285,7 +10203,7 @@
           </p:nvSpPr>
           <p:spPr>
             <a:xfrm>
-              <a:off x="14045400" y="17962920"/>
+              <a:off x="14045570" y="17982054"/>
               <a:ext cx="7374960" cy="3593520"/>
             </a:xfrm>
             <a:prstGeom prst="rect">
@@ -10342,7 +10260,7 @@
           <p:spPr>
             <a:xfrm>
               <a:off x="14202360" y="18365760"/>
-              <a:ext cx="6846840" cy="2620440"/>
+              <a:ext cx="6846840" cy="2137593"/>
             </a:xfrm>
             <a:prstGeom prst="rect">
               <a:avLst/>
@@ -10379,7 +10297,7 @@
                 </a:spcAft>
               </a:pPr>
               <a:r>
-                <a:rPr lang="en-US" sz="4400" b="1" u="none" strike="noStrike">
+                <a:rPr lang="en-US" sz="4400" b="1" u="none" strike="noStrike" dirty="0">
                   <a:solidFill>
                     <a:schemeClr val="dk1"/>
                   </a:solidFill>
@@ -10389,7 +10307,7 @@
                 </a:rPr>
                 <a:t>IMPACT</a:t>
               </a:r>
-              <a:endParaRPr lang="en-US" sz="4400" b="0" u="none" strike="noStrike">
+              <a:endParaRPr lang="en-US" sz="4400" b="0" u="none" strike="noStrike" dirty="0">
                 <a:solidFill>
                   <a:srgbClr val="000000"/>
                 </a:solidFill>
@@ -10407,7 +10325,7 @@
                 </a:spcAft>
               </a:pPr>
               <a:r>
-                <a:rPr lang="en-US" sz="2800" b="0" u="none" strike="noStrike">
+                <a:rPr lang="en-US" sz="2800" b="0" u="none" strike="noStrike" dirty="0">
                   <a:solidFill>
                     <a:schemeClr val="dk1"/>
                   </a:solidFill>
@@ -10415,37 +10333,9 @@
                   <a:latin typeface="Verdana"/>
                   <a:ea typeface="Verdana"/>
                 </a:rPr>
-                <a:t>In 1-2 sentences, what positive impact does your project have? </a:t>
+                <a:t>This project will cut down costs on education materials for home schoolers.</a:t>
               </a:r>
-              <a:endParaRPr lang="en-US" sz="2800" b="0" u="none" strike="noStrike">
-                <a:solidFill>
-                  <a:srgbClr val="000000"/>
-                </a:solidFill>
-                <a:uFillTx/>
-                <a:latin typeface="Arial"/>
-              </a:endParaRPr>
-            </a:p>
-            <a:p>
-              <a:pPr defTabSz="1939680">
-                <a:lnSpc>
-                  <a:spcPct val="100000"/>
-                </a:lnSpc>
-                <a:spcAft>
-                  <a:spcPts val="601"/>
-                </a:spcAft>
-              </a:pPr>
-              <a:r>
-                <a:rPr lang="en-US" sz="2800" b="0" u="none" strike="noStrike">
-                  <a:solidFill>
-                    <a:schemeClr val="dk1"/>
-                  </a:solidFill>
-                  <a:uFillTx/>
-                  <a:latin typeface="Verdana"/>
-                  <a:ea typeface="Verdana"/>
-                </a:rPr>
-                <a:t>Environmental/climate? Social justice/equity? </a:t>
-              </a:r>
-              <a:endParaRPr lang="en-US" sz="2800" b="0" u="none" strike="noStrike">
+              <a:endParaRPr lang="en-US" sz="2800" b="0" u="none" strike="noStrike" dirty="0">
                 <a:solidFill>
                   <a:srgbClr val="000000"/>
                 </a:solidFill>
@@ -10456,94 +10346,6 @@
           </p:txBody>
         </p:sp>
       </p:grpSp>
-      <p:sp>
-        <p:nvSpPr>
-          <p:cNvPr id="74" name="Google Shape;128;p1"/>
-          <p:cNvSpPr/>
-          <p:nvPr/>
-        </p:nvSpPr>
-        <p:spPr>
-          <a:xfrm rot="20844600">
-            <a:off x="7074360" y="12219120"/>
-            <a:ext cx="4804920" cy="2041560"/>
-          </a:xfrm>
-          <a:prstGeom prst="rect">
-            <a:avLst/>
-          </a:prstGeom>
-          <a:solidFill>
-            <a:srgbClr val="3DB5E6"/>
-          </a:solidFill>
-          <a:ln w="0">
-            <a:noFill/>
-          </a:ln>
-        </p:spPr>
-        <p:style>
-          <a:lnRef idx="0">
-            <a:scrgbClr r="0" g="0" b="0"/>
-          </a:lnRef>
-          <a:fillRef idx="0">
-            <a:scrgbClr r="0" g="0" b="0"/>
-          </a:fillRef>
-          <a:effectRef idx="0">
-            <a:scrgbClr r="0" g="0" b="0"/>
-          </a:effectRef>
-          <a:fontRef idx="minor"/>
-        </p:style>
-        <p:txBody>
-          <a:bodyPr lIns="83880" tIns="41760" rIns="83880" bIns="41760" anchor="t">
-            <a:spAutoFit/>
-          </a:bodyPr>
-          <a:lstStyle/>
-          <a:p>
-            <a:pPr algn="ctr" defTabSz="1939680">
-              <a:lnSpc>
-                <a:spcPct val="100000"/>
-              </a:lnSpc>
-            </a:pPr>
-            <a:r>
-              <a:rPr lang="en-US" sz="2570" b="1" u="none" strike="noStrike" dirty="0">
-                <a:solidFill>
-                  <a:schemeClr val="dk1"/>
-                </a:solidFill>
-                <a:uFillTx/>
-                <a:latin typeface="Arial"/>
-              </a:rPr>
-              <a:t>You can ‘Color outside the lines’ to emphasize a key point. For example,</a:t>
-            </a:r>
-            <a:endParaRPr lang="en-US" sz="2570" b="0" u="none" strike="noStrike" dirty="0">
-              <a:solidFill>
-                <a:srgbClr val="FFFFFF"/>
-              </a:solidFill>
-              <a:uFillTx/>
-              <a:latin typeface="Arial"/>
-            </a:endParaRPr>
-          </a:p>
-          <a:p>
-            <a:pPr algn="ctr" defTabSz="1939680">
-              <a:lnSpc>
-                <a:spcPct val="100000"/>
-              </a:lnSpc>
-            </a:pPr>
-            <a:r>
-              <a:rPr lang="en-US" sz="2570" b="1" u="none" strike="noStrike" dirty="0">
-                <a:solidFill>
-                  <a:schemeClr val="dk1"/>
-                </a:solidFill>
-                <a:uFillTx/>
-                <a:latin typeface="Arial"/>
-              </a:rPr>
-              <a:t>Fun Fact: The system is designed to …</a:t>
-            </a:r>
-            <a:endParaRPr lang="en-US" sz="2570" b="0" u="none" strike="noStrike" dirty="0">
-              <a:solidFill>
-                <a:srgbClr val="FFFFFF"/>
-              </a:solidFill>
-              <a:uFillTx/>
-              <a:latin typeface="Arial"/>
-            </a:endParaRPr>
-          </a:p>
-        </p:txBody>
-      </p:sp>
       <p:sp>
         <p:nvSpPr>
           <p:cNvPr id="75" name="TextBox 23"/>
@@ -10553,7 +10355,7 @@
         <p:spPr>
           <a:xfrm>
             <a:off x="718200" y="15048720"/>
-            <a:ext cx="18605520" cy="2756160"/>
+            <a:ext cx="20640600" cy="3184033"/>
           </a:xfrm>
           <a:prstGeom prst="rect">
             <a:avLst/>
@@ -10576,7 +10378,7 @@
           <a:fontRef idx="minor"/>
         </p:style>
         <p:txBody>
-          <a:bodyPr lIns="90000" tIns="45000" rIns="90000" bIns="45000" anchor="t">
+          <a:bodyPr wrap="square" lIns="90000" tIns="45000" rIns="90000" bIns="45000" anchor="t">
             <a:spAutoFit/>
           </a:bodyPr>
           <a:lstStyle/>
@@ -10590,7 +10392,7 @@
               </a:spcAft>
             </a:pPr>
             <a:r>
-              <a:rPr lang="en-US" sz="4400" b="1" u="none" strike="noStrike">
+              <a:rPr lang="en-US" sz="4400" b="1" u="none" strike="noStrike" dirty="0">
                 <a:solidFill>
                   <a:srgbClr val="004B98"/>
                 </a:solidFill>
@@ -10598,15 +10400,25 @@
                 <a:latin typeface="Verdana"/>
                 <a:ea typeface="Verdana"/>
               </a:rPr>
-              <a:t>PROTOTYPE/PROCESS</a:t>
+              <a:t>PROCESS</a:t>
             </a:r>
-            <a:endParaRPr lang="en-US" sz="4400" b="0" u="none" strike="noStrike">
-              <a:solidFill>
-                <a:srgbClr val="000000"/>
-              </a:solidFill>
-              <a:uFillTx/>
-              <a:latin typeface="Arial"/>
-            </a:endParaRPr>
+          </a:p>
+          <a:p>
+            <a:pPr defTabSz="1939680">
+              <a:spcAft>
+                <a:spcPts val="1199"/>
+              </a:spcAft>
+            </a:pPr>
+            <a:r>
+              <a:rPr lang="en-US" sz="3200" u="none" strike="noStrike" dirty="0">
+                <a:solidFill>
+                  <a:srgbClr val="000000"/>
+                </a:solidFill>
+                <a:uFillTx/>
+                <a:latin typeface="Arial"/>
+              </a:rPr>
+              <a:t>The user can register and create an account. This allows them to add items to the event. A barcode sheet will be generated which will easily enable the identified items to be sold. The administrators are able to oversee the entire process and make changes as necessary.</a:t>
+            </a:r>
           </a:p>
           <a:p>
             <a:pPr defTabSz="1939680">
@@ -10614,18 +10426,7 @@
                 <a:spcPct val="100000"/>
               </a:lnSpc>
             </a:pPr>
-            <a:r>
-              <a:rPr lang="en-US" sz="4000" b="0" u="none" strike="noStrike">
-                <a:solidFill>
-                  <a:schemeClr val="dk1"/>
-                </a:solidFill>
-                <a:uFillTx/>
-                <a:latin typeface="Verdana"/>
-                <a:ea typeface="Verdana"/>
-              </a:rPr>
-              <a:t>Consider screenshots of your project. Pointing out the key features, design aspects, improvements, and performance. These should conceptually map to your design specifications. </a:t>
-            </a:r>
-            <a:endParaRPr lang="en-US" sz="4000" b="0" u="none" strike="noStrike">
+            <a:endParaRPr lang="en-US" sz="4000" b="0" u="none" strike="noStrike" dirty="0">
               <a:solidFill>
                 <a:srgbClr val="000000"/>
               </a:solidFill>
@@ -10704,11 +10505,230 @@
           </a:p>
         </p:txBody>
       </p:sp>
+      <p:pic>
+        <p:nvPicPr>
+          <p:cNvPr id="2" name="Picture 1" descr="A screenshot of a computer&#10;&#10;Description automatically generated">
+            <a:extLst>
+              <a:ext uri="{FF2B5EF4-FFF2-40B4-BE49-F238E27FC236}">
+                <a16:creationId xmlns:a16="http://schemas.microsoft.com/office/drawing/2014/main" id="{9156FA4F-F801-ED47-1802-AE03E7A88C24}"/>
+              </a:ext>
+            </a:extLst>
+          </p:cNvPr>
+          <p:cNvPicPr>
+            <a:picLocks noChangeAspect="1"/>
+          </p:cNvPicPr>
+          <p:nvPr/>
+        </p:nvPicPr>
+        <p:blipFill>
+          <a:blip r:embed="rId5">
+            <a:extLst>
+              <a:ext uri="{28A0092B-C50C-407E-A947-70E740481C1C}">
+                <a14:useLocalDpi xmlns:a14="http://schemas.microsoft.com/office/drawing/2010/main" val="0"/>
+              </a:ext>
+            </a:extLst>
+          </a:blip>
+          <a:stretch>
+            <a:fillRect/>
+          </a:stretch>
+        </p:blipFill>
+        <p:spPr>
+          <a:xfrm>
+            <a:off x="10730520" y="5946416"/>
+            <a:ext cx="10777126" cy="5203661"/>
+          </a:xfrm>
+          <a:prstGeom prst="rect">
+            <a:avLst/>
+          </a:prstGeom>
+        </p:spPr>
+      </p:pic>
+      <p:pic>
+        <p:nvPicPr>
+          <p:cNvPr id="3" name="Picture Placeholder 4" descr="A screenshot of a computer program&#10;&#10;Description automatically generated">
+            <a:extLst>
+              <a:ext uri="{FF2B5EF4-FFF2-40B4-BE49-F238E27FC236}">
+                <a16:creationId xmlns:a16="http://schemas.microsoft.com/office/drawing/2014/main" id="{F0D35F34-BE03-64A8-A157-A007231DC46C}"/>
+              </a:ext>
+            </a:extLst>
+          </p:cNvPr>
+          <p:cNvPicPr>
+            <a:picLocks noChangeAspect="1"/>
+          </p:cNvPicPr>
+          <p:nvPr/>
+        </p:nvPicPr>
+        <p:blipFill>
+          <a:blip r:embed="rId6"/>
+          <a:srcRect l="-1" t="-1" r="62936" b="57488"/>
+          <a:stretch/>
+        </p:blipFill>
+        <p:spPr>
+          <a:xfrm>
+            <a:off x="14558467" y="10132189"/>
+            <a:ext cx="6348826" cy="4059743"/>
+          </a:xfrm>
+          <a:prstGeom prst="rect">
+            <a:avLst/>
+          </a:prstGeom>
+          <a:noFill/>
+          <a:ln w="0">
+            <a:noFill/>
+          </a:ln>
+        </p:spPr>
+      </p:pic>
+      <p:pic>
+        <p:nvPicPr>
+          <p:cNvPr id="4" name="Content Placeholder 3" descr="A screenshot of a shopping cart&#10;&#10;Description automatically generated">
+            <a:extLst>
+              <a:ext uri="{FF2B5EF4-FFF2-40B4-BE49-F238E27FC236}">
+                <a16:creationId xmlns:a16="http://schemas.microsoft.com/office/drawing/2014/main" id="{8C7A0EB7-8627-690A-DB6E-5086384289E1}"/>
+              </a:ext>
+            </a:extLst>
+          </p:cNvPr>
+          <p:cNvPicPr>
+            <a:picLocks noChangeAspect="1"/>
+          </p:cNvPicPr>
+          <p:nvPr/>
+        </p:nvPicPr>
+        <p:blipFill>
+          <a:blip r:embed="rId7"/>
+          <a:srcRect l="19213" t="-1" r="20025" b="38367"/>
+          <a:stretch/>
+        </p:blipFill>
+        <p:spPr>
+          <a:xfrm>
+            <a:off x="586800" y="17510580"/>
+            <a:ext cx="8809410" cy="4321620"/>
+          </a:xfrm>
+          <a:prstGeom prst="rect">
+            <a:avLst/>
+          </a:prstGeom>
+        </p:spPr>
+      </p:pic>
+      <p:pic>
+        <p:nvPicPr>
+          <p:cNvPr id="5" name="Picture 4" descr="A screenshot of a bar code&#10;&#10;Description automatically generated">
+            <a:extLst>
+              <a:ext uri="{FF2B5EF4-FFF2-40B4-BE49-F238E27FC236}">
+                <a16:creationId xmlns:a16="http://schemas.microsoft.com/office/drawing/2014/main" id="{F08BD35E-2252-4DC5-C9D0-C79F554AB7CB}"/>
+              </a:ext>
+            </a:extLst>
+          </p:cNvPr>
+          <p:cNvPicPr>
+            <a:picLocks noChangeAspect="1"/>
+          </p:cNvPicPr>
+          <p:nvPr/>
+        </p:nvPicPr>
+        <p:blipFill>
+          <a:blip r:embed="rId8">
+            <a:extLst>
+              <a:ext uri="{28A0092B-C50C-407E-A947-70E740481C1C}">
+                <a14:useLocalDpi xmlns:a14="http://schemas.microsoft.com/office/drawing/2010/main" val="0"/>
+              </a:ext>
+            </a:extLst>
+          </a:blip>
+          <a:srcRect l="18249" t="7252" r="20720" b="11338"/>
+          <a:stretch/>
+        </p:blipFill>
+        <p:spPr>
+          <a:xfrm>
+            <a:off x="9740001" y="17634078"/>
+            <a:ext cx="6379082" cy="4148262"/>
+          </a:xfrm>
+          <a:prstGeom prst="rect">
+            <a:avLst/>
+          </a:prstGeom>
+        </p:spPr>
+      </p:pic>
     </p:spTree>
   </p:cSld>
   <p:clrMapOvr>
     <a:masterClrMapping/>
   </p:clrMapOvr>
+  <p:timing>
+    <p:tnLst>
+      <p:par>
+        <p:cTn id="1" dur="indefinite" restart="never" nodeType="tmRoot">
+          <p:childTnLst>
+            <p:seq concurrent="1" nextAc="seek">
+              <p:cTn id="2" dur="indefinite" nodeType="mainSeq">
+                <p:childTnLst>
+                  <p:par>
+                    <p:cTn id="3" fill="hold">
+                      <p:stCondLst>
+                        <p:cond delay="indefinite"/>
+                        <p:cond evt="onBegin" delay="0">
+                          <p:tn val="2"/>
+                        </p:cond>
+                      </p:stCondLst>
+                      <p:childTnLst>
+                        <p:par>
+                          <p:cTn id="4" fill="hold">
+                            <p:stCondLst>
+                              <p:cond delay="0"/>
+                            </p:stCondLst>
+                            <p:childTnLst>
+                              <p:par>
+                                <p:cTn id="5" presetID="9" presetClass="entr" presetSubtype="0" fill="hold" nodeType="withEffect">
+                                  <p:stCondLst>
+                                    <p:cond delay="0"/>
+                                  </p:stCondLst>
+                                  <p:childTnLst>
+                                    <p:set>
+                                      <p:cBhvr>
+                                        <p:cTn id="6" dur="1" fill="hold">
+                                          <p:stCondLst>
+                                            <p:cond delay="0"/>
+                                          </p:stCondLst>
+                                        </p:cTn>
+                                        <p:tgtEl>
+                                          <p:spTgt spid="5"/>
+                                        </p:tgtEl>
+                                        <p:attrNameLst>
+                                          <p:attrName>style.visibility</p:attrName>
+                                        </p:attrNameLst>
+                                      </p:cBhvr>
+                                      <p:to>
+                                        <p:strVal val="visible"/>
+                                      </p:to>
+                                    </p:set>
+                                    <p:animEffect transition="in" filter="dissolve">
+                                      <p:cBhvr>
+                                        <p:cTn id="7" dur="500"/>
+                                        <p:tgtEl>
+                                          <p:spTgt spid="5"/>
+                                        </p:tgtEl>
+                                      </p:cBhvr>
+                                    </p:animEffect>
+                                  </p:childTnLst>
+                                </p:cTn>
+                              </p:par>
+                            </p:childTnLst>
+                          </p:cTn>
+                        </p:par>
+                      </p:childTnLst>
+                    </p:cTn>
+                  </p:par>
+                </p:childTnLst>
+              </p:cTn>
+              <p:prevCondLst>
+                <p:cond evt="onPrev" delay="0">
+                  <p:tgtEl>
+                    <p:sldTgt/>
+                  </p:tgtEl>
+                </p:cond>
+              </p:prevCondLst>
+              <p:nextCondLst>
+                <p:cond evt="onNext" delay="0">
+                  <p:tgtEl>
+                    <p:sldTgt/>
+                  </p:tgtEl>
+                </p:cond>
+              </p:nextCondLst>
+            </p:seq>
+          </p:childTnLst>
+        </p:cTn>
+      </p:par>
+    </p:tnLst>
+  </p:timing>
 </p:sld>
 </file>
 
